--- a/Sem 22 al 28_Agosto/Prensa/Avisos Relevantes del 22 al 28 de Agosto.pptx
+++ b/Sem 22 al 28_Agosto/Prensa/Avisos Relevantes del 22 al 28 de Agosto.pptx
@@ -334,7 +334,7 @@
           <a:p>
             <a:fld id="{2DABA8B5-8FB7-4F75-9C29-2B8C8D7571F2}" type="datetimeFigureOut">
               <a:rPr lang="es-CL" smtClean="0"/>
-              <a:t>30-08-2022</a:t>
+              <a:t>31-08-2022</a:t>
             </a:fld>
             <a:endParaRPr lang="es-CL"/>
           </a:p>
@@ -534,7 +534,7 @@
           <a:p>
             <a:fld id="{2DABA8B5-8FB7-4F75-9C29-2B8C8D7571F2}" type="datetimeFigureOut">
               <a:rPr lang="es-CL" smtClean="0"/>
-              <a:t>30-08-2022</a:t>
+              <a:t>31-08-2022</a:t>
             </a:fld>
             <a:endParaRPr lang="es-CL"/>
           </a:p>
@@ -744,7 +744,7 @@
           <a:p>
             <a:fld id="{2DABA8B5-8FB7-4F75-9C29-2B8C8D7571F2}" type="datetimeFigureOut">
               <a:rPr lang="es-CL" smtClean="0"/>
-              <a:t>30-08-2022</a:t>
+              <a:t>31-08-2022</a:t>
             </a:fld>
             <a:endParaRPr lang="es-CL"/>
           </a:p>
@@ -944,7 +944,7 @@
           <a:p>
             <a:fld id="{2DABA8B5-8FB7-4F75-9C29-2B8C8D7571F2}" type="datetimeFigureOut">
               <a:rPr lang="es-CL" smtClean="0"/>
-              <a:t>30-08-2022</a:t>
+              <a:t>31-08-2022</a:t>
             </a:fld>
             <a:endParaRPr lang="es-CL"/>
           </a:p>
@@ -1220,7 +1220,7 @@
           <a:p>
             <a:fld id="{2DABA8B5-8FB7-4F75-9C29-2B8C8D7571F2}" type="datetimeFigureOut">
               <a:rPr lang="es-CL" smtClean="0"/>
-              <a:t>30-08-2022</a:t>
+              <a:t>31-08-2022</a:t>
             </a:fld>
             <a:endParaRPr lang="es-CL"/>
           </a:p>
@@ -1488,7 +1488,7 @@
           <a:p>
             <a:fld id="{2DABA8B5-8FB7-4F75-9C29-2B8C8D7571F2}" type="datetimeFigureOut">
               <a:rPr lang="es-CL" smtClean="0"/>
-              <a:t>30-08-2022</a:t>
+              <a:t>31-08-2022</a:t>
             </a:fld>
             <a:endParaRPr lang="es-CL"/>
           </a:p>
@@ -1903,7 +1903,7 @@
           <a:p>
             <a:fld id="{2DABA8B5-8FB7-4F75-9C29-2B8C8D7571F2}" type="datetimeFigureOut">
               <a:rPr lang="es-CL" smtClean="0"/>
-              <a:t>30-08-2022</a:t>
+              <a:t>31-08-2022</a:t>
             </a:fld>
             <a:endParaRPr lang="es-CL"/>
           </a:p>
@@ -2045,7 +2045,7 @@
           <a:p>
             <a:fld id="{2DABA8B5-8FB7-4F75-9C29-2B8C8D7571F2}" type="datetimeFigureOut">
               <a:rPr lang="es-CL" smtClean="0"/>
-              <a:t>30-08-2022</a:t>
+              <a:t>31-08-2022</a:t>
             </a:fld>
             <a:endParaRPr lang="es-CL"/>
           </a:p>
@@ -2158,7 +2158,7 @@
           <a:p>
             <a:fld id="{2DABA8B5-8FB7-4F75-9C29-2B8C8D7571F2}" type="datetimeFigureOut">
               <a:rPr lang="es-CL" smtClean="0"/>
-              <a:t>30-08-2022</a:t>
+              <a:t>31-08-2022</a:t>
             </a:fld>
             <a:endParaRPr lang="es-CL"/>
           </a:p>
@@ -2471,7 +2471,7 @@
           <a:p>
             <a:fld id="{2DABA8B5-8FB7-4F75-9C29-2B8C8D7571F2}" type="datetimeFigureOut">
               <a:rPr lang="es-CL" smtClean="0"/>
-              <a:t>30-08-2022</a:t>
+              <a:t>31-08-2022</a:t>
             </a:fld>
             <a:endParaRPr lang="es-CL"/>
           </a:p>
@@ -2760,7 +2760,7 @@
           <a:p>
             <a:fld id="{2DABA8B5-8FB7-4F75-9C29-2B8C8D7571F2}" type="datetimeFigureOut">
               <a:rPr lang="es-CL" smtClean="0"/>
-              <a:t>30-08-2022</a:t>
+              <a:t>31-08-2022</a:t>
             </a:fld>
             <a:endParaRPr lang="es-CL"/>
           </a:p>
@@ -3003,7 +3003,7 @@
           <a:p>
             <a:fld id="{2DABA8B5-8FB7-4F75-9C29-2B8C8D7571F2}" type="datetimeFigureOut">
               <a:rPr lang="es-CL" smtClean="0"/>
-              <a:t>30-08-2022</a:t>
+              <a:t>31-08-2022</a:t>
             </a:fld>
             <a:endParaRPr lang="es-CL"/>
           </a:p>
@@ -3456,45 +3456,6 @@
           <a:chExt cx="0" cy="0"/>
         </a:xfrm>
       </p:grpSpPr>
-      <p:sp>
-        <p:nvSpPr>
-          <p:cNvPr id="42" name="CuadroTexto 41">
-            <a:extLst>
-              <a:ext uri="{FF2B5EF4-FFF2-40B4-BE49-F238E27FC236}">
-                <a16:creationId xmlns:a16="http://schemas.microsoft.com/office/drawing/2014/main" id="{8F2266BC-DD7E-F31B-AC72-3030080B47CC}"/>
-              </a:ext>
-            </a:extLst>
-          </p:cNvPr>
-          <p:cNvSpPr txBox="1"/>
-          <p:nvPr/>
-        </p:nvSpPr>
-        <p:spPr>
-          <a:xfrm>
-            <a:off x="360604" y="263988"/>
-            <a:ext cx="11363428" cy="492443"/>
-          </a:xfrm>
-          <a:prstGeom prst="rect">
-            <a:avLst/>
-          </a:prstGeom>
-          <a:noFill/>
-        </p:spPr>
-        <p:txBody>
-          <a:bodyPr wrap="square" rtlCol="0">
-            <a:spAutoFit/>
-          </a:bodyPr>
-          <a:lstStyle/>
-          <a:p>
-            <a:pPr algn="ctr"/>
-            <a:r>
-              <a:rPr lang="es-CL" sz="2600" b="1" dirty="0">
-                <a:latin typeface="Arial" panose="020B0604020202020204" pitchFamily="34" charset="0"/>
-                <a:cs typeface="Arial" panose="020B0604020202020204" pitchFamily="34" charset="0"/>
-              </a:rPr>
-              <a:t>Prensa | Evidencia Publicaciones Competencia del 22 al 28 de Agosto </a:t>
-            </a:r>
-          </a:p>
-        </p:txBody>
-      </p:sp>
       <p:grpSp>
         <p:nvGrpSpPr>
           <p:cNvPr id="3" name="Grupo 2">
@@ -3934,45 +3895,6 @@
           <a:chExt cx="0" cy="0"/>
         </a:xfrm>
       </p:grpSpPr>
-      <p:sp>
-        <p:nvSpPr>
-          <p:cNvPr id="12" name="CuadroTexto 11">
-            <a:extLst>
-              <a:ext uri="{FF2B5EF4-FFF2-40B4-BE49-F238E27FC236}">
-                <a16:creationId xmlns:a16="http://schemas.microsoft.com/office/drawing/2014/main" id="{32C0876F-CCCE-A3E2-33FC-9E5B7E5ACDCF}"/>
-              </a:ext>
-            </a:extLst>
-          </p:cNvPr>
-          <p:cNvSpPr txBox="1"/>
-          <p:nvPr/>
-        </p:nvSpPr>
-        <p:spPr>
-          <a:xfrm>
-            <a:off x="360604" y="263988"/>
-            <a:ext cx="11363428" cy="492443"/>
-          </a:xfrm>
-          <a:prstGeom prst="rect">
-            <a:avLst/>
-          </a:prstGeom>
-          <a:noFill/>
-        </p:spPr>
-        <p:txBody>
-          <a:bodyPr wrap="square" rtlCol="0">
-            <a:spAutoFit/>
-          </a:bodyPr>
-          <a:lstStyle/>
-          <a:p>
-            <a:pPr algn="ctr"/>
-            <a:r>
-              <a:rPr lang="es-CL" sz="2600" b="1" dirty="0">
-                <a:latin typeface="Arial" panose="020B0604020202020204" pitchFamily="34" charset="0"/>
-                <a:cs typeface="Arial" panose="020B0604020202020204" pitchFamily="34" charset="0"/>
-              </a:rPr>
-              <a:t>Prensa | Evidencia Publicaciones Competencia del 22 al 28 de Agosto </a:t>
-            </a:r>
-          </a:p>
-        </p:txBody>
-      </p:sp>
       <p:grpSp>
         <p:nvGrpSpPr>
           <p:cNvPr id="4" name="Grupo 3">
@@ -4412,45 +4334,6 @@
           <a:chExt cx="0" cy="0"/>
         </a:xfrm>
       </p:grpSpPr>
-      <p:sp>
-        <p:nvSpPr>
-          <p:cNvPr id="12" name="CuadroTexto 11">
-            <a:extLst>
-              <a:ext uri="{FF2B5EF4-FFF2-40B4-BE49-F238E27FC236}">
-                <a16:creationId xmlns:a16="http://schemas.microsoft.com/office/drawing/2014/main" id="{32C0876F-CCCE-A3E2-33FC-9E5B7E5ACDCF}"/>
-              </a:ext>
-            </a:extLst>
-          </p:cNvPr>
-          <p:cNvSpPr txBox="1"/>
-          <p:nvPr/>
-        </p:nvSpPr>
-        <p:spPr>
-          <a:xfrm>
-            <a:off x="360604" y="263988"/>
-            <a:ext cx="11363428" cy="492443"/>
-          </a:xfrm>
-          <a:prstGeom prst="rect">
-            <a:avLst/>
-          </a:prstGeom>
-          <a:noFill/>
-        </p:spPr>
-        <p:txBody>
-          <a:bodyPr wrap="square" rtlCol="0">
-            <a:spAutoFit/>
-          </a:bodyPr>
-          <a:lstStyle/>
-          <a:p>
-            <a:pPr algn="ctr"/>
-            <a:r>
-              <a:rPr lang="es-CL" sz="2600" b="1" dirty="0">
-                <a:latin typeface="Arial" panose="020B0604020202020204" pitchFamily="34" charset="0"/>
-                <a:cs typeface="Arial" panose="020B0604020202020204" pitchFamily="34" charset="0"/>
-              </a:rPr>
-              <a:t>Prensa | Evidencia Publicaciones Competencia del 22 al 28 de Agosto </a:t>
-            </a:r>
-          </a:p>
-        </p:txBody>
-      </p:sp>
       <p:grpSp>
         <p:nvGrpSpPr>
           <p:cNvPr id="6" name="Grupo 5">
